--- a/Model_diagram.pptx
+++ b/Model_diagram.pptx
@@ -3362,7 +3362,7 @@
         </p:nvSpPr>
         <p:spPr>
           <a:xfrm>
-            <a:off x="2183643" y="2552132"/>
+            <a:off x="2425943" y="1274770"/>
             <a:ext cx="1337480" cy="832513"/>
           </a:xfrm>
           <a:prstGeom prst="rect">
@@ -3412,7 +3412,7 @@
         </p:nvSpPr>
         <p:spPr>
           <a:xfrm>
-            <a:off x="4758520" y="2552131"/>
+            <a:off x="5000820" y="1274769"/>
             <a:ext cx="1337480" cy="832513"/>
           </a:xfrm>
           <a:prstGeom prst="rect">
@@ -3462,7 +3462,7 @@
         </p:nvSpPr>
         <p:spPr>
           <a:xfrm>
-            <a:off x="7333397" y="2552130"/>
+            <a:off x="7575697" y="1274768"/>
             <a:ext cx="1337480" cy="832513"/>
           </a:xfrm>
           <a:prstGeom prst="rect">
@@ -3514,7 +3514,7 @@
         </p:nvCxnSpPr>
         <p:spPr>
           <a:xfrm flipV="1">
-            <a:off x="3521123" y="2968387"/>
+            <a:off x="3763423" y="1691025"/>
             <a:ext cx="1237397" cy="2"/>
           </a:xfrm>
           <a:prstGeom prst="straightConnector1">
@@ -3553,7 +3553,7 @@
         </p:nvCxnSpPr>
         <p:spPr>
           <a:xfrm flipV="1">
-            <a:off x="6096000" y="2968387"/>
+            <a:off x="6338300" y="1691025"/>
             <a:ext cx="1237397" cy="2"/>
           </a:xfrm>
           <a:prstGeom prst="straightConnector1">
@@ -3596,7 +3596,7 @@
         </p:nvCxnSpPr>
         <p:spPr>
           <a:xfrm rot="16200000" flipH="1" flipV="1">
-            <a:off x="5427259" y="-22746"/>
+            <a:off x="5669559" y="-1300108"/>
             <a:ext cx="2" cy="5149754"/>
           </a:xfrm>
           <a:prstGeom prst="curvedConnector3">
@@ -3623,8 +3623,8 @@
           </a:fontRef>
         </p:style>
       </p:cxnSp>
-      <mc:AlternateContent xmlns:mc="http://schemas.openxmlformats.org/markup-compatibility/2006" xmlns:a14="http://schemas.microsoft.com/office/drawing/2010/main">
-        <mc:Choice Requires="a14">
+      <mc:AlternateContent xmlns:mc="http://schemas.openxmlformats.org/markup-compatibility/2006">
+        <mc:Choice xmlns:a14="http://schemas.microsoft.com/office/drawing/2010/main" Requires="a14">
           <p:sp>
             <p:nvSpPr>
               <p:cNvPr id="18" name="TextBox 17">
@@ -3639,7 +3639,7 @@
             </p:nvSpPr>
             <p:spPr>
               <a:xfrm>
-                <a:off x="3759959" y="2968386"/>
+                <a:off x="4002259" y="1691024"/>
                 <a:ext cx="715773" cy="609077"/>
               </a:xfrm>
               <a:prstGeom prst="rect">
@@ -3710,7 +3710,7 @@
             </p:txBody>
           </p:sp>
         </mc:Choice>
-        <mc:Fallback xmlns="">
+        <mc:Fallback>
           <p:sp>
             <p:nvSpPr>
               <p:cNvPr id="18" name="TextBox 17">
@@ -3727,7 +3727,7 @@
             </p:nvSpPr>
             <p:spPr>
               <a:xfrm>
-                <a:off x="3759959" y="2968386"/>
+                <a:off x="4002259" y="1691024"/>
                 <a:ext cx="715773" cy="609077"/>
               </a:xfrm>
               <a:prstGeom prst="rect">
@@ -3755,8 +3755,8 @@
           </p:sp>
         </mc:Fallback>
       </mc:AlternateContent>
-      <mc:AlternateContent xmlns:mc="http://schemas.openxmlformats.org/markup-compatibility/2006" xmlns:a14="http://schemas.microsoft.com/office/drawing/2010/main">
-        <mc:Choice Requires="a14">
+      <mc:AlternateContent xmlns:mc="http://schemas.openxmlformats.org/markup-compatibility/2006">
+        <mc:Choice xmlns:a14="http://schemas.microsoft.com/office/drawing/2010/main" Requires="a14">
           <p:sp>
             <p:nvSpPr>
               <p:cNvPr id="19" name="TextBox 18">
@@ -3771,7 +3771,7 @@
             </p:nvSpPr>
             <p:spPr>
               <a:xfrm>
-                <a:off x="6393982" y="3015311"/>
+                <a:off x="6636282" y="1737949"/>
                 <a:ext cx="454868" cy="369332"/>
               </a:xfrm>
               <a:prstGeom prst="rect">
@@ -3814,7 +3814,7 @@
             </p:txBody>
           </p:sp>
         </mc:Choice>
-        <mc:Fallback xmlns="">
+        <mc:Fallback>
           <p:sp>
             <p:nvSpPr>
               <p:cNvPr id="19" name="TextBox 18">
@@ -3831,7 +3831,7 @@
             </p:nvSpPr>
             <p:spPr>
               <a:xfrm>
-                <a:off x="6393982" y="3015311"/>
+                <a:off x="6636282" y="1737949"/>
                 <a:ext cx="454868" cy="369332"/>
               </a:xfrm>
               <a:prstGeom prst="rect">
@@ -3840,7 +3840,7 @@
               <a:blipFill>
                 <a:blip r:embed="rId3"/>
                 <a:stretch>
-                  <a:fillRect b="-5000"/>
+                  <a:fillRect b="-3279"/>
                 </a:stretch>
               </a:blipFill>
             </p:spPr>
@@ -3859,8 +3859,8 @@
           </p:sp>
         </mc:Fallback>
       </mc:AlternateContent>
-      <mc:AlternateContent xmlns:mc="http://schemas.openxmlformats.org/markup-compatibility/2006" xmlns:a14="http://schemas.microsoft.com/office/drawing/2010/main">
-        <mc:Choice Requires="a14">
+      <mc:AlternateContent xmlns:mc="http://schemas.openxmlformats.org/markup-compatibility/2006">
+        <mc:Choice xmlns:a14="http://schemas.microsoft.com/office/drawing/2010/main" Requires="a14">
           <p:sp>
             <p:nvSpPr>
               <p:cNvPr id="20" name="TextBox 19">
@@ -3875,7 +3875,7 @@
             </p:nvSpPr>
             <p:spPr>
               <a:xfrm>
-                <a:off x="5107726" y="1907705"/>
+                <a:off x="5350026" y="630343"/>
                 <a:ext cx="499176" cy="369332"/>
               </a:xfrm>
               <a:prstGeom prst="rect">
@@ -3918,7 +3918,7 @@
             </p:txBody>
           </p:sp>
         </mc:Choice>
-        <mc:Fallback xmlns="">
+        <mc:Fallback>
           <p:sp>
             <p:nvSpPr>
               <p:cNvPr id="20" name="TextBox 19">
@@ -3935,7 +3935,7 @@
             </p:nvSpPr>
             <p:spPr>
               <a:xfrm>
-                <a:off x="5107726" y="1907705"/>
+                <a:off x="5350026" y="630343"/>
                 <a:ext cx="499176" cy="369332"/>
               </a:xfrm>
               <a:prstGeom prst="rect">
@@ -3963,6 +3963,882 @@
           </p:sp>
         </mc:Fallback>
       </mc:AlternateContent>
+      <p:sp>
+        <p:nvSpPr>
+          <p:cNvPr id="12" name="Rectangle 11">
+            <a:extLst>
+              <a:ext uri="{FF2B5EF4-FFF2-40B4-BE49-F238E27FC236}">
+                <a16:creationId xmlns:a16="http://schemas.microsoft.com/office/drawing/2014/main" id="{A701166D-C94A-4BED-8B44-A4A713266DF0}"/>
+              </a:ext>
+            </a:extLst>
+          </p:cNvPr>
+          <p:cNvSpPr/>
+          <p:nvPr/>
+        </p:nvSpPr>
+        <p:spPr>
+          <a:xfrm>
+            <a:off x="2425943" y="3316407"/>
+            <a:ext cx="1337480" cy="832513"/>
+          </a:xfrm>
+          <a:prstGeom prst="rect">
+            <a:avLst/>
+          </a:prstGeom>
+        </p:spPr>
+        <p:style>
+          <a:lnRef idx="1">
+            <a:schemeClr val="dk1"/>
+          </a:lnRef>
+          <a:fillRef idx="2">
+            <a:schemeClr val="dk1"/>
+          </a:fillRef>
+          <a:effectRef idx="1">
+            <a:schemeClr val="dk1"/>
+          </a:effectRef>
+          <a:fontRef idx="minor">
+            <a:schemeClr val="dk1"/>
+          </a:fontRef>
+        </p:style>
+        <p:txBody>
+          <a:bodyPr rtlCol="0" anchor="ctr"/>
+          <a:lstStyle/>
+          <a:p>
+            <a:pPr algn="ctr"/>
+            <a:r>
+              <a:rPr lang="en-US" sz="3600" b="1" dirty="0"/>
+              <a:t>S</a:t>
+            </a:r>
+            <a:endParaRPr lang="en-GB" sz="3600" b="1" dirty="0"/>
+          </a:p>
+        </p:txBody>
+      </p:sp>
+      <p:sp>
+        <p:nvSpPr>
+          <p:cNvPr id="13" name="Rectangle 12">
+            <a:extLst>
+              <a:ext uri="{FF2B5EF4-FFF2-40B4-BE49-F238E27FC236}">
+                <a16:creationId xmlns:a16="http://schemas.microsoft.com/office/drawing/2014/main" id="{F6E855D6-8C4B-44E4-A1F1-7816AEEBA282}"/>
+              </a:ext>
+            </a:extLst>
+          </p:cNvPr>
+          <p:cNvSpPr/>
+          <p:nvPr/>
+        </p:nvSpPr>
+        <p:spPr>
+          <a:xfrm>
+            <a:off x="5000820" y="3316406"/>
+            <a:ext cx="1337480" cy="832513"/>
+          </a:xfrm>
+          <a:prstGeom prst="rect">
+            <a:avLst/>
+          </a:prstGeom>
+        </p:spPr>
+        <p:style>
+          <a:lnRef idx="1">
+            <a:schemeClr val="dk1"/>
+          </a:lnRef>
+          <a:fillRef idx="2">
+            <a:schemeClr val="dk1"/>
+          </a:fillRef>
+          <a:effectRef idx="1">
+            <a:schemeClr val="dk1"/>
+          </a:effectRef>
+          <a:fontRef idx="minor">
+            <a:schemeClr val="dk1"/>
+          </a:fontRef>
+        </p:style>
+        <p:txBody>
+          <a:bodyPr rtlCol="0" anchor="ctr"/>
+          <a:lstStyle/>
+          <a:p>
+            <a:pPr algn="ctr"/>
+            <a:r>
+              <a:rPr lang="en-US" sz="3600" b="1" dirty="0"/>
+              <a:t>I</a:t>
+            </a:r>
+            <a:endParaRPr lang="en-GB" sz="3600" b="1" dirty="0"/>
+          </a:p>
+        </p:txBody>
+      </p:sp>
+      <p:sp>
+        <p:nvSpPr>
+          <p:cNvPr id="14" name="Rectangle 13">
+            <a:extLst>
+              <a:ext uri="{FF2B5EF4-FFF2-40B4-BE49-F238E27FC236}">
+                <a16:creationId xmlns:a16="http://schemas.microsoft.com/office/drawing/2014/main" id="{2BB9D444-EA8B-4571-B985-154F9074E103}"/>
+              </a:ext>
+            </a:extLst>
+          </p:cNvPr>
+          <p:cNvSpPr/>
+          <p:nvPr/>
+        </p:nvSpPr>
+        <p:spPr>
+          <a:xfrm>
+            <a:off x="7575697" y="3316405"/>
+            <a:ext cx="1337480" cy="832513"/>
+          </a:xfrm>
+          <a:prstGeom prst="rect">
+            <a:avLst/>
+          </a:prstGeom>
+        </p:spPr>
+        <p:style>
+          <a:lnRef idx="1">
+            <a:schemeClr val="dk1"/>
+          </a:lnRef>
+          <a:fillRef idx="2">
+            <a:schemeClr val="dk1"/>
+          </a:fillRef>
+          <a:effectRef idx="1">
+            <a:schemeClr val="dk1"/>
+          </a:effectRef>
+          <a:fontRef idx="minor">
+            <a:schemeClr val="dk1"/>
+          </a:fontRef>
+        </p:style>
+        <p:txBody>
+          <a:bodyPr rtlCol="0" anchor="ctr"/>
+          <a:lstStyle/>
+          <a:p>
+            <a:pPr algn="ctr"/>
+            <a:r>
+              <a:rPr lang="en-US" sz="3600" b="1" dirty="0"/>
+              <a:t>R</a:t>
+            </a:r>
+            <a:endParaRPr lang="en-GB" sz="3600" b="1" dirty="0"/>
+          </a:p>
+        </p:txBody>
+      </p:sp>
+      <p:cxnSp>
+        <p:nvCxnSpPr>
+          <p:cNvPr id="15" name="Straight Arrow Connector 14">
+            <a:extLst>
+              <a:ext uri="{FF2B5EF4-FFF2-40B4-BE49-F238E27FC236}">
+                <a16:creationId xmlns:a16="http://schemas.microsoft.com/office/drawing/2014/main" id="{4DF61AFA-05BA-43E0-9187-89A597BE63AA}"/>
+              </a:ext>
+            </a:extLst>
+          </p:cNvPr>
+          <p:cNvCxnSpPr>
+            <a:stCxn id="12" idx="3"/>
+          </p:cNvCxnSpPr>
+          <p:nvPr/>
+        </p:nvCxnSpPr>
+        <p:spPr>
+          <a:xfrm flipV="1">
+            <a:off x="3763423" y="3732662"/>
+            <a:ext cx="1237397" cy="2"/>
+          </a:xfrm>
+          <a:prstGeom prst="straightConnector1">
+            <a:avLst/>
+          </a:prstGeom>
+          <a:ln w="19050">
+            <a:tailEnd type="triangle"/>
+          </a:ln>
+        </p:spPr>
+        <p:style>
+          <a:lnRef idx="1">
+            <a:schemeClr val="dk1"/>
+          </a:lnRef>
+          <a:fillRef idx="0">
+            <a:schemeClr val="dk1"/>
+          </a:fillRef>
+          <a:effectRef idx="0">
+            <a:schemeClr val="dk1"/>
+          </a:effectRef>
+          <a:fontRef idx="minor">
+            <a:schemeClr val="tx1"/>
+          </a:fontRef>
+        </p:style>
+      </p:cxnSp>
+      <p:cxnSp>
+        <p:nvCxnSpPr>
+          <p:cNvPr id="16" name="Straight Arrow Connector 15">
+            <a:extLst>
+              <a:ext uri="{FF2B5EF4-FFF2-40B4-BE49-F238E27FC236}">
+                <a16:creationId xmlns:a16="http://schemas.microsoft.com/office/drawing/2014/main" id="{5E267143-3D9D-4F73-9299-61540593248F}"/>
+              </a:ext>
+            </a:extLst>
+          </p:cNvPr>
+          <p:cNvCxnSpPr/>
+          <p:nvPr/>
+        </p:nvCxnSpPr>
+        <p:spPr>
+          <a:xfrm flipV="1">
+            <a:off x="6338300" y="3732662"/>
+            <a:ext cx="1237397" cy="2"/>
+          </a:xfrm>
+          <a:prstGeom prst="straightConnector1">
+            <a:avLst/>
+          </a:prstGeom>
+          <a:ln w="19050">
+            <a:tailEnd type="triangle"/>
+          </a:ln>
+        </p:spPr>
+        <p:style>
+          <a:lnRef idx="1">
+            <a:schemeClr val="dk1"/>
+          </a:lnRef>
+          <a:fillRef idx="0">
+            <a:schemeClr val="dk1"/>
+          </a:fillRef>
+          <a:effectRef idx="0">
+            <a:schemeClr val="dk1"/>
+          </a:effectRef>
+          <a:fontRef idx="minor">
+            <a:schemeClr val="tx1"/>
+          </a:fontRef>
+        </p:style>
+      </p:cxnSp>
+      <p:cxnSp>
+        <p:nvCxnSpPr>
+          <p:cNvPr id="17" name="Connector: Curved 16">
+            <a:extLst>
+              <a:ext uri="{FF2B5EF4-FFF2-40B4-BE49-F238E27FC236}">
+                <a16:creationId xmlns:a16="http://schemas.microsoft.com/office/drawing/2014/main" id="{1AFEDD1D-A056-484B-B29C-DF7FEBF833FA}"/>
+              </a:ext>
+            </a:extLst>
+          </p:cNvPr>
+          <p:cNvCxnSpPr>
+            <a:cxnSpLocks/>
+            <a:stCxn id="14" idx="0"/>
+            <a:endCxn id="12" idx="0"/>
+          </p:cNvCxnSpPr>
+          <p:nvPr/>
+        </p:nvCxnSpPr>
+        <p:spPr>
+          <a:xfrm rot="16200000" flipH="1" flipV="1">
+            <a:off x="5669559" y="741529"/>
+            <a:ext cx="2" cy="5149754"/>
+          </a:xfrm>
+          <a:prstGeom prst="curvedConnector3">
+            <a:avLst>
+              <a:gd name="adj1" fmla="val -11430000000"/>
+            </a:avLst>
+          </a:prstGeom>
+          <a:ln w="12700">
+            <a:tailEnd type="triangle"/>
+          </a:ln>
+        </p:spPr>
+        <p:style>
+          <a:lnRef idx="1">
+            <a:schemeClr val="dk1"/>
+          </a:lnRef>
+          <a:fillRef idx="0">
+            <a:schemeClr val="dk1"/>
+          </a:fillRef>
+          <a:effectRef idx="0">
+            <a:schemeClr val="dk1"/>
+          </a:effectRef>
+          <a:fontRef idx="minor">
+            <a:schemeClr val="tx1"/>
+          </a:fontRef>
+        </p:style>
+      </p:cxnSp>
+      <mc:AlternateContent xmlns:mc="http://schemas.openxmlformats.org/markup-compatibility/2006">
+        <mc:Choice xmlns:a14="http://schemas.microsoft.com/office/drawing/2010/main" Requires="a14">
+          <p:sp>
+            <p:nvSpPr>
+              <p:cNvPr id="21" name="TextBox 20">
+                <a:extLst>
+                  <a:ext uri="{FF2B5EF4-FFF2-40B4-BE49-F238E27FC236}">
+                    <a16:creationId xmlns:a16="http://schemas.microsoft.com/office/drawing/2014/main" id="{97FB4E0B-1CB3-457C-8713-00DC6C69A8D9}"/>
+                  </a:ext>
+                </a:extLst>
+              </p:cNvPr>
+              <p:cNvSpPr txBox="1"/>
+              <p:nvPr/>
+            </p:nvSpPr>
+            <p:spPr>
+              <a:xfrm>
+                <a:off x="4002259" y="3732661"/>
+                <a:ext cx="715773" cy="609077"/>
+              </a:xfrm>
+              <a:prstGeom prst="rect">
+                <a:avLst/>
+              </a:prstGeom>
+              <a:noFill/>
+            </p:spPr>
+            <p:txBody>
+              <a:bodyPr wrap="none" rtlCol="0">
+                <a:spAutoFit/>
+              </a:bodyPr>
+              <a:lstStyle/>
+              <a:p>
+                <a:pPr/>
+                <a14:m>
+                  <m:oMathPara xmlns:m="http://schemas.openxmlformats.org/officeDocument/2006/math">
+                    <m:oMathParaPr>
+                      <m:jc m:val="centerGroup"/>
+                    </m:oMathParaPr>
+                    <m:oMath xmlns:m="http://schemas.openxmlformats.org/officeDocument/2006/math">
+                      <m:r>
+                        <a:rPr lang="en-GB" i="1" smtClean="0">
+                          <a:latin typeface="Cambria Math" panose="02040503050406030204" pitchFamily="18" charset="0"/>
+                          <a:ea typeface="Cambria Math" panose="02040503050406030204" pitchFamily="18" charset="0"/>
+                        </a:rPr>
+                        <m:t>𝛽</m:t>
+                      </m:r>
+                      <m:r>
+                        <a:rPr lang="en-US" b="0" i="1" smtClean="0">
+                          <a:latin typeface="Cambria Math" panose="02040503050406030204" pitchFamily="18" charset="0"/>
+                          <a:ea typeface="Cambria Math" panose="02040503050406030204" pitchFamily="18" charset="0"/>
+                        </a:rPr>
+                        <m:t>𝑆</m:t>
+                      </m:r>
+                      <m:f>
+                        <m:fPr>
+                          <m:ctrlPr>
+                            <a:rPr lang="en-US" b="0" i="1" smtClean="0">
+                              <a:latin typeface="Cambria Math" panose="02040503050406030204" pitchFamily="18" charset="0"/>
+                              <a:ea typeface="Cambria Math" panose="02040503050406030204" pitchFamily="18" charset="0"/>
+                            </a:rPr>
+                          </m:ctrlPr>
+                        </m:fPr>
+                        <m:num>
+                          <m:r>
+                            <a:rPr lang="en-US" b="0" i="1" smtClean="0">
+                              <a:latin typeface="Cambria Math" panose="02040503050406030204" pitchFamily="18" charset="0"/>
+                              <a:ea typeface="Cambria Math" panose="02040503050406030204" pitchFamily="18" charset="0"/>
+                            </a:rPr>
+                            <m:t>𝐼</m:t>
+                          </m:r>
+                        </m:num>
+                        <m:den>
+                          <m:r>
+                            <a:rPr lang="en-US" b="0" i="1" smtClean="0">
+                              <a:latin typeface="Cambria Math" panose="02040503050406030204" pitchFamily="18" charset="0"/>
+                              <a:ea typeface="Cambria Math" panose="02040503050406030204" pitchFamily="18" charset="0"/>
+                            </a:rPr>
+                            <m:t>𝑁</m:t>
+                          </m:r>
+                        </m:den>
+                      </m:f>
+                    </m:oMath>
+                  </m:oMathPara>
+                </a14:m>
+                <a:endParaRPr lang="en-GB" dirty="0"/>
+              </a:p>
+            </p:txBody>
+          </p:sp>
+        </mc:Choice>
+        <mc:Fallback>
+          <p:sp>
+            <p:nvSpPr>
+              <p:cNvPr id="21" name="TextBox 20">
+                <a:extLst>
+                  <a:ext uri="{FF2B5EF4-FFF2-40B4-BE49-F238E27FC236}">
+                    <a16:creationId xmlns:a16="http://schemas.microsoft.com/office/drawing/2014/main" id="{97FB4E0B-1CB3-457C-8713-00DC6C69A8D9}"/>
+                  </a:ext>
+                </a:extLst>
+              </p:cNvPr>
+              <p:cNvSpPr txBox="1">
+                <a:spLocks noRot="1" noChangeAspect="1" noMove="1" noResize="1" noEditPoints="1" noAdjustHandles="1" noChangeArrowheads="1" noChangeShapeType="1" noTextEdit="1"/>
+              </p:cNvSpPr>
+              <p:nvPr/>
+            </p:nvSpPr>
+            <p:spPr>
+              <a:xfrm>
+                <a:off x="4002259" y="3732661"/>
+                <a:ext cx="715773" cy="609077"/>
+              </a:xfrm>
+              <a:prstGeom prst="rect">
+                <a:avLst/>
+              </a:prstGeom>
+              <a:blipFill>
+                <a:blip r:embed="rId5"/>
+                <a:stretch>
+                  <a:fillRect/>
+                </a:stretch>
+              </a:blipFill>
+            </p:spPr>
+            <p:txBody>
+              <a:bodyPr/>
+              <a:lstStyle/>
+              <a:p>
+                <a:r>
+                  <a:rPr lang="en-GB">
+                    <a:noFill/>
+                  </a:rPr>
+                  <a:t> </a:t>
+                </a:r>
+              </a:p>
+            </p:txBody>
+          </p:sp>
+        </mc:Fallback>
+      </mc:AlternateContent>
+      <mc:AlternateContent xmlns:mc="http://schemas.openxmlformats.org/markup-compatibility/2006">
+        <mc:Choice xmlns:a14="http://schemas.microsoft.com/office/drawing/2010/main" Requires="a14">
+          <p:sp>
+            <p:nvSpPr>
+              <p:cNvPr id="22" name="TextBox 21">
+                <a:extLst>
+                  <a:ext uri="{FF2B5EF4-FFF2-40B4-BE49-F238E27FC236}">
+                    <a16:creationId xmlns:a16="http://schemas.microsoft.com/office/drawing/2014/main" id="{912F8344-F3E4-4592-9C46-B01607925327}"/>
+                  </a:ext>
+                </a:extLst>
+              </p:cNvPr>
+              <p:cNvSpPr txBox="1"/>
+              <p:nvPr/>
+            </p:nvSpPr>
+            <p:spPr>
+              <a:xfrm>
+                <a:off x="6636282" y="3779586"/>
+                <a:ext cx="454868" cy="369332"/>
+              </a:xfrm>
+              <a:prstGeom prst="rect">
+                <a:avLst/>
+              </a:prstGeom>
+              <a:noFill/>
+            </p:spPr>
+            <p:txBody>
+              <a:bodyPr wrap="none" rtlCol="0">
+                <a:spAutoFit/>
+              </a:bodyPr>
+              <a:lstStyle/>
+              <a:p>
+                <a:pPr/>
+                <a14:m>
+                  <m:oMathPara xmlns:m="http://schemas.openxmlformats.org/officeDocument/2006/math">
+                    <m:oMathParaPr>
+                      <m:jc m:val="centerGroup"/>
+                    </m:oMathParaPr>
+                    <m:oMath xmlns:m="http://schemas.openxmlformats.org/officeDocument/2006/math">
+                      <m:r>
+                        <a:rPr lang="en-GB" i="1" smtClean="0">
+                          <a:latin typeface="Cambria Math" panose="02040503050406030204" pitchFamily="18" charset="0"/>
+                          <a:ea typeface="Cambria Math" panose="02040503050406030204" pitchFamily="18" charset="0"/>
+                        </a:rPr>
+                        <m:t>𝛾</m:t>
+                      </m:r>
+                      <m:r>
+                        <a:rPr lang="en-US" b="0" i="1" smtClean="0">
+                          <a:latin typeface="Cambria Math" panose="02040503050406030204" pitchFamily="18" charset="0"/>
+                          <a:ea typeface="Cambria Math" panose="02040503050406030204" pitchFamily="18" charset="0"/>
+                        </a:rPr>
+                        <m:t>𝐼</m:t>
+                      </m:r>
+                    </m:oMath>
+                  </m:oMathPara>
+                </a14:m>
+                <a:endParaRPr lang="en-GB" dirty="0"/>
+              </a:p>
+            </p:txBody>
+          </p:sp>
+        </mc:Choice>
+        <mc:Fallback>
+          <p:sp>
+            <p:nvSpPr>
+              <p:cNvPr id="22" name="TextBox 21">
+                <a:extLst>
+                  <a:ext uri="{FF2B5EF4-FFF2-40B4-BE49-F238E27FC236}">
+                    <a16:creationId xmlns:a16="http://schemas.microsoft.com/office/drawing/2014/main" id="{912F8344-F3E4-4592-9C46-B01607925327}"/>
+                  </a:ext>
+                </a:extLst>
+              </p:cNvPr>
+              <p:cNvSpPr txBox="1">
+                <a:spLocks noRot="1" noChangeAspect="1" noMove="1" noResize="1" noEditPoints="1" noAdjustHandles="1" noChangeArrowheads="1" noChangeShapeType="1" noTextEdit="1"/>
+              </p:cNvSpPr>
+              <p:nvPr/>
+            </p:nvSpPr>
+            <p:spPr>
+              <a:xfrm>
+                <a:off x="6636282" y="3779586"/>
+                <a:ext cx="454868" cy="369332"/>
+              </a:xfrm>
+              <a:prstGeom prst="rect">
+                <a:avLst/>
+              </a:prstGeom>
+              <a:blipFill>
+                <a:blip r:embed="rId6"/>
+                <a:stretch>
+                  <a:fillRect b="-3279"/>
+                </a:stretch>
+              </a:blipFill>
+            </p:spPr>
+            <p:txBody>
+              <a:bodyPr/>
+              <a:lstStyle/>
+              <a:p>
+                <a:r>
+                  <a:rPr lang="en-GB">
+                    <a:noFill/>
+                  </a:rPr>
+                  <a:t> </a:t>
+                </a:r>
+              </a:p>
+            </p:txBody>
+          </p:sp>
+        </mc:Fallback>
+      </mc:AlternateContent>
+      <mc:AlternateContent xmlns:mc="http://schemas.openxmlformats.org/markup-compatibility/2006">
+        <mc:Choice xmlns:a14="http://schemas.microsoft.com/office/drawing/2010/main" Requires="a14">
+          <p:sp>
+            <p:nvSpPr>
+              <p:cNvPr id="23" name="TextBox 22">
+                <a:extLst>
+                  <a:ext uri="{FF2B5EF4-FFF2-40B4-BE49-F238E27FC236}">
+                    <a16:creationId xmlns:a16="http://schemas.microsoft.com/office/drawing/2014/main" id="{4CEDA347-B626-49D7-B531-E1F00E763060}"/>
+                  </a:ext>
+                </a:extLst>
+              </p:cNvPr>
+              <p:cNvSpPr txBox="1"/>
+              <p:nvPr/>
+            </p:nvSpPr>
+            <p:spPr>
+              <a:xfrm>
+                <a:off x="5350026" y="2671980"/>
+                <a:ext cx="499176" cy="369332"/>
+              </a:xfrm>
+              <a:prstGeom prst="rect">
+                <a:avLst/>
+              </a:prstGeom>
+              <a:noFill/>
+            </p:spPr>
+            <p:txBody>
+              <a:bodyPr wrap="none" rtlCol="0">
+                <a:spAutoFit/>
+              </a:bodyPr>
+              <a:lstStyle/>
+              <a:p>
+                <a:pPr/>
+                <a14:m>
+                  <m:oMathPara xmlns:m="http://schemas.openxmlformats.org/officeDocument/2006/math">
+                    <m:oMathParaPr>
+                      <m:jc m:val="centerGroup"/>
+                    </m:oMathParaPr>
+                    <m:oMath xmlns:m="http://schemas.openxmlformats.org/officeDocument/2006/math">
+                      <m:r>
+                        <a:rPr lang="en-US" i="1" smtClean="0">
+                          <a:latin typeface="Cambria Math" panose="02040503050406030204" pitchFamily="18" charset="0"/>
+                          <a:ea typeface="Cambria Math" panose="02040503050406030204" pitchFamily="18" charset="0"/>
+                        </a:rPr>
+                        <m:t>𝑠</m:t>
+                      </m:r>
+                      <m:r>
+                        <a:rPr lang="en-US" b="0" i="1" smtClean="0">
+                          <a:latin typeface="Cambria Math" panose="02040503050406030204" pitchFamily="18" charset="0"/>
+                          <a:ea typeface="Cambria Math" panose="02040503050406030204" pitchFamily="18" charset="0"/>
+                        </a:rPr>
+                        <m:t>𝑅</m:t>
+                      </m:r>
+                    </m:oMath>
+                  </m:oMathPara>
+                </a14:m>
+                <a:endParaRPr lang="en-GB" dirty="0"/>
+              </a:p>
+            </p:txBody>
+          </p:sp>
+        </mc:Choice>
+        <mc:Fallback>
+          <p:sp>
+            <p:nvSpPr>
+              <p:cNvPr id="23" name="TextBox 22">
+                <a:extLst>
+                  <a:ext uri="{FF2B5EF4-FFF2-40B4-BE49-F238E27FC236}">
+                    <a16:creationId xmlns:a16="http://schemas.microsoft.com/office/drawing/2014/main" id="{4CEDA347-B626-49D7-B531-E1F00E763060}"/>
+                  </a:ext>
+                </a:extLst>
+              </p:cNvPr>
+              <p:cNvSpPr txBox="1">
+                <a:spLocks noRot="1" noChangeAspect="1" noMove="1" noResize="1" noEditPoints="1" noAdjustHandles="1" noChangeArrowheads="1" noChangeShapeType="1" noTextEdit="1"/>
+              </p:cNvSpPr>
+              <p:nvPr/>
+            </p:nvSpPr>
+            <p:spPr>
+              <a:xfrm>
+                <a:off x="5350026" y="2671980"/>
+                <a:ext cx="499176" cy="369332"/>
+              </a:xfrm>
+              <a:prstGeom prst="rect">
+                <a:avLst/>
+              </a:prstGeom>
+              <a:blipFill>
+                <a:blip r:embed="rId7"/>
+                <a:stretch>
+                  <a:fillRect/>
+                </a:stretch>
+              </a:blipFill>
+            </p:spPr>
+            <p:txBody>
+              <a:bodyPr/>
+              <a:lstStyle/>
+              <a:p>
+                <a:r>
+                  <a:rPr lang="en-GB">
+                    <a:noFill/>
+                  </a:rPr>
+                  <a:t> </a:t>
+                </a:r>
+              </a:p>
+            </p:txBody>
+          </p:sp>
+        </mc:Fallback>
+      </mc:AlternateContent>
+      <p:cxnSp>
+        <p:nvCxnSpPr>
+          <p:cNvPr id="24" name="Connector: Curved 23">
+            <a:extLst>
+              <a:ext uri="{FF2B5EF4-FFF2-40B4-BE49-F238E27FC236}">
+                <a16:creationId xmlns:a16="http://schemas.microsoft.com/office/drawing/2014/main" id="{35F57F5F-AA1D-44D1-A6F5-660FF5A86ED8}"/>
+              </a:ext>
+            </a:extLst>
+          </p:cNvPr>
+          <p:cNvCxnSpPr>
+            <a:cxnSpLocks/>
+            <a:stCxn id="12" idx="2"/>
+            <a:endCxn id="25" idx="1"/>
+          </p:cNvCxnSpPr>
+          <p:nvPr/>
+        </p:nvCxnSpPr>
+        <p:spPr>
+          <a:xfrm rot="16200000" flipH="1">
+            <a:off x="3275744" y="3967858"/>
+            <a:ext cx="1540921" cy="1903043"/>
+          </a:xfrm>
+          <a:prstGeom prst="curvedConnector2">
+            <a:avLst/>
+          </a:prstGeom>
+          <a:ln w="19050">
+            <a:tailEnd type="triangle"/>
+          </a:ln>
+        </p:spPr>
+        <p:style>
+          <a:lnRef idx="1">
+            <a:schemeClr val="dk1"/>
+          </a:lnRef>
+          <a:fillRef idx="0">
+            <a:schemeClr val="dk1"/>
+          </a:fillRef>
+          <a:effectRef idx="0">
+            <a:schemeClr val="dk1"/>
+          </a:effectRef>
+          <a:fontRef idx="minor">
+            <a:schemeClr val="tx1"/>
+          </a:fontRef>
+        </p:style>
+      </p:cxnSp>
+      <p:sp>
+        <p:nvSpPr>
+          <p:cNvPr id="25" name="Rectangle 24">
+            <a:extLst>
+              <a:ext uri="{FF2B5EF4-FFF2-40B4-BE49-F238E27FC236}">
+                <a16:creationId xmlns:a16="http://schemas.microsoft.com/office/drawing/2014/main" id="{CC586639-6C55-40E9-83AF-48F8F6924C90}"/>
+              </a:ext>
+            </a:extLst>
+          </p:cNvPr>
+          <p:cNvSpPr/>
+          <p:nvPr/>
+        </p:nvSpPr>
+        <p:spPr>
+          <a:xfrm>
+            <a:off x="4997726" y="5273584"/>
+            <a:ext cx="1337480" cy="832513"/>
+          </a:xfrm>
+          <a:prstGeom prst="rect">
+            <a:avLst/>
+          </a:prstGeom>
+        </p:spPr>
+        <p:style>
+          <a:lnRef idx="1">
+            <a:schemeClr val="dk1"/>
+          </a:lnRef>
+          <a:fillRef idx="2">
+            <a:schemeClr val="dk1"/>
+          </a:fillRef>
+          <a:effectRef idx="1">
+            <a:schemeClr val="dk1"/>
+          </a:effectRef>
+          <a:fontRef idx="minor">
+            <a:schemeClr val="dk1"/>
+          </a:fontRef>
+        </p:style>
+        <p:txBody>
+          <a:bodyPr rtlCol="0" anchor="ctr"/>
+          <a:lstStyle/>
+          <a:p>
+            <a:pPr algn="ctr"/>
+            <a:r>
+              <a:rPr lang="en-US" sz="3600" b="1" dirty="0"/>
+              <a:t>V</a:t>
+            </a:r>
+            <a:endParaRPr lang="en-GB" sz="3600" b="1" dirty="0"/>
+          </a:p>
+        </p:txBody>
+      </p:sp>
+      <mc:AlternateContent xmlns:mc="http://schemas.openxmlformats.org/markup-compatibility/2006">
+        <mc:Choice xmlns:a14="http://schemas.microsoft.com/office/drawing/2010/main" Requires="a14">
+          <p:sp>
+            <p:nvSpPr>
+              <p:cNvPr id="26" name="TextBox 25">
+                <a:extLst>
+                  <a:ext uri="{FF2B5EF4-FFF2-40B4-BE49-F238E27FC236}">
+                    <a16:creationId xmlns:a16="http://schemas.microsoft.com/office/drawing/2014/main" id="{F99B5D00-1406-4F14-8EBA-535BF03F918C}"/>
+                  </a:ext>
+                </a:extLst>
+              </p:cNvPr>
+              <p:cNvSpPr txBox="1"/>
+              <p:nvPr/>
+            </p:nvSpPr>
+            <p:spPr>
+              <a:xfrm>
+                <a:off x="3140357" y="5121863"/>
+                <a:ext cx="502958" cy="369332"/>
+              </a:xfrm>
+              <a:prstGeom prst="rect">
+                <a:avLst/>
+              </a:prstGeom>
+              <a:noFill/>
+            </p:spPr>
+            <p:txBody>
+              <a:bodyPr wrap="none" rtlCol="0">
+                <a:spAutoFit/>
+              </a:bodyPr>
+              <a:lstStyle/>
+              <a:p>
+                <a:pPr/>
+                <a14:m>
+                  <m:oMathPara xmlns:m="http://schemas.openxmlformats.org/officeDocument/2006/math">
+                    <m:oMathParaPr>
+                      <m:jc m:val="centerGroup"/>
+                    </m:oMathParaPr>
+                    <m:oMath xmlns:m="http://schemas.openxmlformats.org/officeDocument/2006/math">
+                      <m:r>
+                        <a:rPr lang="en-US" i="1" smtClean="0">
+                          <a:latin typeface="Cambria Math" panose="02040503050406030204" pitchFamily="18" charset="0"/>
+                          <a:ea typeface="Cambria Math" panose="02040503050406030204" pitchFamily="18" charset="0"/>
+                        </a:rPr>
+                        <m:t>𝑒</m:t>
+                      </m:r>
+                      <m:r>
+                        <a:rPr lang="en-US" b="0" i="1" smtClean="0">
+                          <a:latin typeface="Cambria Math" panose="02040503050406030204" pitchFamily="18" charset="0"/>
+                          <a:ea typeface="Cambria Math" panose="02040503050406030204" pitchFamily="18" charset="0"/>
+                        </a:rPr>
+                        <m:t>𝑉</m:t>
+                      </m:r>
+                    </m:oMath>
+                  </m:oMathPara>
+                </a14:m>
+                <a:endParaRPr lang="en-GB" dirty="0"/>
+              </a:p>
+            </p:txBody>
+          </p:sp>
+        </mc:Choice>
+        <mc:Fallback>
+          <p:sp>
+            <p:nvSpPr>
+              <p:cNvPr id="26" name="TextBox 25">
+                <a:extLst>
+                  <a:ext uri="{FF2B5EF4-FFF2-40B4-BE49-F238E27FC236}">
+                    <a16:creationId xmlns:a16="http://schemas.microsoft.com/office/drawing/2014/main" id="{F99B5D00-1406-4F14-8EBA-535BF03F918C}"/>
+                  </a:ext>
+                </a:extLst>
+              </p:cNvPr>
+              <p:cNvSpPr txBox="1">
+                <a:spLocks noRot="1" noChangeAspect="1" noMove="1" noResize="1" noEditPoints="1" noAdjustHandles="1" noChangeArrowheads="1" noChangeShapeType="1" noTextEdit="1"/>
+              </p:cNvSpPr>
+              <p:nvPr/>
+            </p:nvSpPr>
+            <p:spPr>
+              <a:xfrm>
+                <a:off x="3140357" y="5121863"/>
+                <a:ext cx="502958" cy="369332"/>
+              </a:xfrm>
+              <a:prstGeom prst="rect">
+                <a:avLst/>
+              </a:prstGeom>
+              <a:blipFill>
+                <a:blip r:embed="rId8"/>
+                <a:stretch>
+                  <a:fillRect/>
+                </a:stretch>
+              </a:blipFill>
+            </p:spPr>
+            <p:txBody>
+              <a:bodyPr/>
+              <a:lstStyle/>
+              <a:p>
+                <a:r>
+                  <a:rPr lang="en-GB">
+                    <a:noFill/>
+                  </a:rPr>
+                  <a:t> </a:t>
+                </a:r>
+              </a:p>
+            </p:txBody>
+          </p:sp>
+        </mc:Fallback>
+      </mc:AlternateContent>
+      <p:sp>
+        <p:nvSpPr>
+          <p:cNvPr id="2" name="TextBox 1">
+            <a:extLst>
+              <a:ext uri="{FF2B5EF4-FFF2-40B4-BE49-F238E27FC236}">
+                <a16:creationId xmlns:a16="http://schemas.microsoft.com/office/drawing/2014/main" id="{E8435337-32B2-463D-8FA5-C1370941FA14}"/>
+              </a:ext>
+            </a:extLst>
+          </p:cNvPr>
+          <p:cNvSpPr txBox="1"/>
+          <p:nvPr/>
+        </p:nvSpPr>
+        <p:spPr>
+          <a:xfrm>
+            <a:off x="3439632" y="2326733"/>
+            <a:ext cx="4819140" cy="369332"/>
+          </a:xfrm>
+          <a:prstGeom prst="rect">
+            <a:avLst/>
+          </a:prstGeom>
+          <a:noFill/>
+        </p:spPr>
+        <p:txBody>
+          <a:bodyPr wrap="none" rtlCol="0">
+            <a:spAutoFit/>
+          </a:bodyPr>
+          <a:lstStyle/>
+          <a:p>
+            <a:r>
+              <a:rPr lang="en-US" dirty="0"/>
+              <a:t>Modified SIR model for the first year of pandemic</a:t>
+            </a:r>
+            <a:endParaRPr lang="en-GB" dirty="0"/>
+          </a:p>
+        </p:txBody>
+      </p:sp>
+      <p:sp>
+        <p:nvSpPr>
+          <p:cNvPr id="27" name="TextBox 26">
+            <a:extLst>
+              <a:ext uri="{FF2B5EF4-FFF2-40B4-BE49-F238E27FC236}">
+                <a16:creationId xmlns:a16="http://schemas.microsoft.com/office/drawing/2014/main" id="{31E8854E-C2FD-4C12-9393-24B8F3CD3BFF}"/>
+              </a:ext>
+            </a:extLst>
+          </p:cNvPr>
+          <p:cNvSpPr txBox="1"/>
+          <p:nvPr/>
+        </p:nvSpPr>
+        <p:spPr>
+          <a:xfrm>
+            <a:off x="3439632" y="6238732"/>
+            <a:ext cx="5121915" cy="369332"/>
+          </a:xfrm>
+          <a:prstGeom prst="rect">
+            <a:avLst/>
+          </a:prstGeom>
+          <a:noFill/>
+        </p:spPr>
+        <p:txBody>
+          <a:bodyPr wrap="none" rtlCol="0">
+            <a:spAutoFit/>
+          </a:bodyPr>
+          <a:lstStyle/>
+          <a:p>
+            <a:r>
+              <a:rPr lang="en-US" dirty="0"/>
+              <a:t>Modified SIR model for the second year of pandemic</a:t>
+            </a:r>
+            <a:endParaRPr lang="en-GB" dirty="0"/>
+          </a:p>
+        </p:txBody>
+      </p:sp>
     </p:spTree>
     <p:extLst>
       <p:ext uri="{BB962C8B-B14F-4D97-AF65-F5344CB8AC3E}">
@@ -5115,6 +5991,12 @@
 </file>
 
 <file path=customXml/item2.xml><?xml version="1.0" encoding="utf-8"?>
+<p:properties xmlns:p="http://schemas.microsoft.com/office/2006/metadata/properties" xmlns:xsi="http://www.w3.org/2001/XMLSchema-instance" xmlns:pc="http://schemas.microsoft.com/office/infopath/2007/PartnerControls">
+  <documentManagement/>
+</p:properties>
+</file>
+
+<file path=customXml/item3.xml><?xml version="1.0" encoding="utf-8"?>
 <ct:contentTypeSchema xmlns:ct="http://schemas.microsoft.com/office/2006/metadata/contentType" xmlns:ma="http://schemas.microsoft.com/office/2006/metadata/properties/metaAttributes" ct:_="" ma:_="" ma:contentTypeName="Document" ma:contentTypeID="0x0101006B30100377151D41B3D22146056F6857" ma:contentTypeVersion="4" ma:contentTypeDescription="Create a new document." ma:contentTypeScope="" ma:versionID="1864fe8c09790ad9e86694a6b0de3bc4">
   <xsd:schema xmlns:xsd="http://www.w3.org/2001/XMLSchema" xmlns:xs="http://www.w3.org/2001/XMLSchema" xmlns:p="http://schemas.microsoft.com/office/2006/metadata/properties" xmlns:ns2="089efe48-db40-4573-a248-ae5280d9a67b" targetNamespace="http://schemas.microsoft.com/office/2006/metadata/properties" ma:root="true" ma:fieldsID="e63749790f0a649bac18d33d2e34b625" ns2:_="">
     <xsd:import namespace="089efe48-db40-4573-a248-ae5280d9a67b"/>
@@ -5260,12 +6142,6 @@
 </ct:contentTypeSchema>
 </file>
 
-<file path=customXml/item3.xml><?xml version="1.0" encoding="utf-8"?>
-<p:properties xmlns:p="http://schemas.microsoft.com/office/2006/metadata/properties" xmlns:xsi="http://www.w3.org/2001/XMLSchema-instance" xmlns:pc="http://schemas.microsoft.com/office/infopath/2007/PartnerControls">
-  <documentManagement/>
-</p:properties>
-</file>
-
 <file path=customXml/itemProps1.xml><?xml version="1.0" encoding="utf-8"?>
 <ds:datastoreItem xmlns:ds="http://schemas.openxmlformats.org/officeDocument/2006/customXml" ds:itemID="{19D0F7A6-190C-4D57-B863-C1024013763A}">
   <ds:schemaRefs>
@@ -5275,6 +6151,22 @@
 </file>
 
 <file path=customXml/itemProps2.xml><?xml version="1.0" encoding="utf-8"?>
+<ds:datastoreItem xmlns:ds="http://schemas.openxmlformats.org/officeDocument/2006/customXml" ds:itemID="{D82462D3-D38A-4784-8D98-A38ABC4AF698}">
+  <ds:schemaRefs>
+    <ds:schemaRef ds:uri="089efe48-db40-4573-a248-ae5280d9a67b"/>
+    <ds:schemaRef ds:uri="http://schemas.microsoft.com/office/infopath/2007/PartnerControls"/>
+    <ds:schemaRef ds:uri="http://schemas.microsoft.com/office/2006/documentManagement/types"/>
+    <ds:schemaRef ds:uri="http://schemas.openxmlformats.org/package/2006/metadata/core-properties"/>
+    <ds:schemaRef ds:uri="http://schemas.microsoft.com/office/2006/metadata/properties"/>
+    <ds:schemaRef ds:uri="http://purl.org/dc/dcmitype/"/>
+    <ds:schemaRef ds:uri="http://www.w3.org/XML/1998/namespace"/>
+    <ds:schemaRef ds:uri="http://purl.org/dc/elements/1.1/"/>
+    <ds:schemaRef ds:uri="http://purl.org/dc/terms/"/>
+  </ds:schemaRefs>
+</ds:datastoreItem>
+</file>
+
+<file path=customXml/itemProps3.xml><?xml version="1.0" encoding="utf-8"?>
 <ds:datastoreItem xmlns:ds="http://schemas.openxmlformats.org/officeDocument/2006/customXml" ds:itemID="{5223396C-BFEB-4AF8-81F3-13DDD3B76225}">
   <ds:schemaRefs>
     <ds:schemaRef ds:uri="http://schemas.microsoft.com/office/2006/metadata/contentType"/>
@@ -5290,20 +6182,4 @@
     <ds:schemaRef ds:uri="http://schemas.microsoft.com/internal/obd"/>
   </ds:schemaRefs>
 </ds:datastoreItem>
-</file>
-
-<file path=customXml/itemProps3.xml><?xml version="1.0" encoding="utf-8"?>
-<ds:datastoreItem xmlns:ds="http://schemas.openxmlformats.org/officeDocument/2006/customXml" ds:itemID="{D82462D3-D38A-4784-8D98-A38ABC4AF698}">
-  <ds:schemaRefs>
-    <ds:schemaRef ds:uri="089efe48-db40-4573-a248-ae5280d9a67b"/>
-    <ds:schemaRef ds:uri="http://schemas.microsoft.com/office/infopath/2007/PartnerControls"/>
-    <ds:schemaRef ds:uri="http://schemas.microsoft.com/office/2006/documentManagement/types"/>
-    <ds:schemaRef ds:uri="http://schemas.openxmlformats.org/package/2006/metadata/core-properties"/>
-    <ds:schemaRef ds:uri="http://schemas.microsoft.com/office/2006/metadata/properties"/>
-    <ds:schemaRef ds:uri="http://purl.org/dc/dcmitype/"/>
-    <ds:schemaRef ds:uri="http://www.w3.org/XML/1998/namespace"/>
-    <ds:schemaRef ds:uri="http://purl.org/dc/elements/1.1/"/>
-    <ds:schemaRef ds:uri="http://purl.org/dc/terms/"/>
-  </ds:schemaRefs>
-</ds:datastoreItem>
 </file>